--- a/기계공학실험_03.pptx
+++ b/기계공학실험_03.pptx
@@ -232,7 +232,7 @@
             <a:fld id="{7B221F05-95D6-498D-BA88-FF003B5FB826}" type="datetimeFigureOut">
               <a:rPr lang="ko-KR" altLang="en-US" smtClean="0"/>
               <a:pPr/>
-              <a:t>2017-02-25</a:t>
+              <a:t>2017-03-27</a:t>
             </a:fld>
             <a:endParaRPr lang="ko-KR" altLang="en-US"/>
           </a:p>
@@ -688,7 +688,7 @@
             <a:fld id="{19FB1216-F83B-4868-805E-72F7E9D253FB}" type="datetimeFigureOut">
               <a:rPr lang="ko-KR" altLang="en-US" smtClean="0"/>
               <a:pPr/>
-              <a:t>2017-02-25</a:t>
+              <a:t>2017-03-27</a:t>
             </a:fld>
             <a:endParaRPr lang="ko-KR" altLang="en-US"/>
           </a:p>
@@ -904,7 +904,7 @@
             <a:fld id="{19FB1216-F83B-4868-805E-72F7E9D253FB}" type="datetimeFigureOut">
               <a:rPr lang="ko-KR" altLang="en-US" smtClean="0"/>
               <a:pPr/>
-              <a:t>2017-02-25</a:t>
+              <a:t>2017-03-27</a:t>
             </a:fld>
             <a:endParaRPr lang="ko-KR" altLang="en-US"/>
           </a:p>
@@ -1151,7 +1151,7 @@
             <a:fld id="{19FB1216-F83B-4868-805E-72F7E9D253FB}" type="datetimeFigureOut">
               <a:rPr lang="ko-KR" altLang="en-US" smtClean="0"/>
               <a:pPr/>
-              <a:t>2017-02-25</a:t>
+              <a:t>2017-03-27</a:t>
             </a:fld>
             <a:endParaRPr lang="ko-KR" altLang="en-US"/>
           </a:p>
@@ -1851,8 +1851,8 @@
           </a:p>
         </p:txBody>
       </p:sp>
-      <mc:AlternateContent xmlns:mc="http://schemas.openxmlformats.org/markup-compatibility/2006">
-        <mc:Choice xmlns:a14="http://schemas.microsoft.com/office/drawing/2010/main" Requires="a14">
+      <mc:AlternateContent xmlns:mc="http://schemas.openxmlformats.org/markup-compatibility/2006" xmlns:a14="http://schemas.microsoft.com/office/drawing/2010/main">
+        <mc:Choice Requires="a14">
           <p:sp>
             <p:nvSpPr>
               <p:cNvPr id="3" name="내용 개체 틀 2"/>
@@ -2577,7 +2577,7 @@
             </p:txBody>
           </p:sp>
         </mc:Choice>
-        <mc:Fallback>
+        <mc:Fallback xmlns="">
           <p:sp>
             <p:nvSpPr>
               <p:cNvPr id="3" name="내용 개체 틀 2"/>
@@ -7285,8 +7285,8 @@
           </a:p>
         </p:txBody>
       </p:sp>
-      <mc:AlternateContent xmlns:mc="http://schemas.openxmlformats.org/markup-compatibility/2006" xmlns:a14="http://schemas.microsoft.com/office/drawing/2010/main">
-        <mc:Choice Requires="a14">
+      <mc:AlternateContent xmlns:mc="http://schemas.openxmlformats.org/markup-compatibility/2006">
+        <mc:Choice xmlns:a14="http://schemas.microsoft.com/office/drawing/2010/main" Requires="a14">
           <p:sp>
             <p:nvSpPr>
               <p:cNvPr id="3" name="내용 개체 틀 2"/>
@@ -7654,6 +7654,94 @@
                     </m:oMath>
                   </m:oMathPara>
                 </a14:m>
+                <a:endParaRPr lang="en-US" altLang="ko-KR" dirty="0" smtClean="0"/>
+              </a:p>
+              <a:p>
+                <a:pPr marL="0" indent="0">
+                  <a:buNone/>
+                </a:pPr>
+                <a:endParaRPr lang="en-US" altLang="ko-KR" dirty="0"/>
+              </a:p>
+              <a:p>
+                <a:pPr marL="0" indent="0">
+                  <a:buNone/>
+                </a:pPr>
+                <a14:m>
+                  <m:oMathPara xmlns:m="http://schemas.openxmlformats.org/officeDocument/2006/math">
+                    <m:oMathParaPr>
+                      <m:jc m:val="centerGroup"/>
+                    </m:oMathParaPr>
+                    <m:oMath xmlns:m="http://schemas.openxmlformats.org/officeDocument/2006/math">
+                      <m:sSub>
+                        <m:sSubPr>
+                          <m:ctrlPr>
+                            <a:rPr lang="en-US" altLang="ko-KR" i="1">
+                              <a:latin typeface="Cambria Math" panose="02040503050406030204" pitchFamily="18" charset="0"/>
+                            </a:rPr>
+                          </m:ctrlPr>
+                        </m:sSubPr>
+                        <m:e>
+                          <m:r>
+                            <a:rPr lang="en-US" altLang="ko-KR" i="1">
+                              <a:latin typeface="Cambria Math" panose="02040503050406030204" pitchFamily="18" charset="0"/>
+                            </a:rPr>
+                            <m:t>𝑈</m:t>
+                          </m:r>
+                        </m:e>
+                        <m:sub>
+                          <m:r>
+                            <a:rPr lang="en-US" altLang="ko-KR" b="0" i="1" smtClean="0">
+                              <a:latin typeface="Cambria Math" panose="02040503050406030204" pitchFamily="18" charset="0"/>
+                            </a:rPr>
+                            <m:t>h</m:t>
+                          </m:r>
+                          <m:r>
+                            <a:rPr lang="en-US" altLang="ko-KR" b="0" i="1" smtClean="0">
+                              <a:latin typeface="Cambria Math" panose="02040503050406030204" pitchFamily="18" charset="0"/>
+                            </a:rPr>
+                            <m:t>=0.04</m:t>
+                          </m:r>
+                          <m:r>
+                            <a:rPr lang="en-US" altLang="ko-KR" b="0" i="1" smtClean="0">
+                              <a:latin typeface="Cambria Math" panose="02040503050406030204" pitchFamily="18" charset="0"/>
+                            </a:rPr>
+                            <m:t>𝑚</m:t>
+                          </m:r>
+                        </m:sub>
+                      </m:sSub>
+                      <m:r>
+                        <a:rPr lang="en-US" altLang="ko-KR" i="1">
+                          <a:latin typeface="Cambria Math" panose="02040503050406030204" pitchFamily="18" charset="0"/>
+                        </a:rPr>
+                        <m:t>=</m:t>
+                      </m:r>
+                      <m:r>
+                        <a:rPr lang="en-US" altLang="ko-KR" b="0" i="1" smtClean="0">
+                          <a:latin typeface="Cambria Math" panose="02040503050406030204" pitchFamily="18" charset="0"/>
+                        </a:rPr>
+                        <m:t>0</m:t>
+                      </m:r>
+                      <m:r>
+                        <a:rPr lang="en-US" altLang="ko-KR" b="0" i="1" smtClean="0">
+                          <a:latin typeface="Cambria Math" panose="02040503050406030204" pitchFamily="18" charset="0"/>
+                        </a:rPr>
+                        <m:t>𝑚</m:t>
+                      </m:r>
+                      <m:r>
+                        <a:rPr lang="en-US" altLang="ko-KR" b="0" i="1" smtClean="0">
+                          <a:latin typeface="Cambria Math" panose="02040503050406030204" pitchFamily="18" charset="0"/>
+                        </a:rPr>
+                        <m:t>/</m:t>
+                      </m:r>
+                      <m:r>
+                        <a:rPr lang="en-US" altLang="ko-KR" b="0" i="1" smtClean="0">
+                          <a:latin typeface="Cambria Math" panose="02040503050406030204" pitchFamily="18" charset="0"/>
+                        </a:rPr>
+                        <m:t>𝑠</m:t>
+                      </m:r>
+                    </m:oMath>
+                  </m:oMathPara>
+                </a14:m>
                 <a:endParaRPr lang="en-US" altLang="ko-KR" dirty="0"/>
               </a:p>
               <a:p>
@@ -7771,7 +7859,7 @@
             </p:txBody>
           </p:sp>
         </mc:Choice>
-        <mc:Fallback xmlns="">
+        <mc:Fallback>
           <p:sp>
             <p:nvSpPr>
               <p:cNvPr id="3" name="내용 개체 틀 2"/>

--- a/기계공학실험_03.pptx
+++ b/기계공학실험_03.pptx
@@ -232,7 +232,7 @@
             <a:fld id="{7B221F05-95D6-498D-BA88-FF003B5FB826}" type="datetimeFigureOut">
               <a:rPr lang="ko-KR" altLang="en-US" smtClean="0"/>
               <a:pPr/>
-              <a:t>2017-03-27</a:t>
+              <a:t>2017-04-11</a:t>
             </a:fld>
             <a:endParaRPr lang="ko-KR" altLang="en-US"/>
           </a:p>
@@ -688,7 +688,7 @@
             <a:fld id="{19FB1216-F83B-4868-805E-72F7E9D253FB}" type="datetimeFigureOut">
               <a:rPr lang="ko-KR" altLang="en-US" smtClean="0"/>
               <a:pPr/>
-              <a:t>2017-03-27</a:t>
+              <a:t>2017-04-11</a:t>
             </a:fld>
             <a:endParaRPr lang="ko-KR" altLang="en-US"/>
           </a:p>
@@ -904,7 +904,7 @@
             <a:fld id="{19FB1216-F83B-4868-805E-72F7E9D253FB}" type="datetimeFigureOut">
               <a:rPr lang="ko-KR" altLang="en-US" smtClean="0"/>
               <a:pPr/>
-              <a:t>2017-03-27</a:t>
+              <a:t>2017-04-11</a:t>
             </a:fld>
             <a:endParaRPr lang="ko-KR" altLang="en-US"/>
           </a:p>
@@ -1151,7 +1151,7 @@
             <a:fld id="{19FB1216-F83B-4868-805E-72F7E9D253FB}" type="datetimeFigureOut">
               <a:rPr lang="ko-KR" altLang="en-US" smtClean="0"/>
               <a:pPr/>
-              <a:t>2017-03-27</a:t>
+              <a:t>2017-04-11</a:t>
             </a:fld>
             <a:endParaRPr lang="ko-KR" altLang="en-US"/>
           </a:p>
@@ -1851,8 +1851,8 @@
           </a:p>
         </p:txBody>
       </p:sp>
-      <mc:AlternateContent xmlns:mc="http://schemas.openxmlformats.org/markup-compatibility/2006" xmlns:a14="http://schemas.microsoft.com/office/drawing/2010/main">
-        <mc:Choice Requires="a14">
+      <mc:AlternateContent xmlns:mc="http://schemas.openxmlformats.org/markup-compatibility/2006">
+        <mc:Choice xmlns:a14="http://schemas.microsoft.com/office/drawing/2010/main" Requires="a14">
           <p:sp>
             <p:nvSpPr>
               <p:cNvPr id="3" name="내용 개체 틀 2"/>
@@ -2040,18 +2040,18 @@
                   </m:oMath>
                 </a14:m>
                 <a:r>
-                  <a:rPr lang="ko-KR" altLang="en-US" dirty="0" smtClean="0"/>
+                  <a:rPr lang="ko-KR" altLang="en-US" dirty="0"/>
                   <a:t>구할 것</a:t>
                 </a:r>
-                <a:endParaRPr lang="en-US" altLang="ko-KR" dirty="0" smtClean="0"/>
+                <a:endParaRPr lang="en-US" altLang="ko-KR" dirty="0"/>
               </a:p>
               <a:p>
                 <a:r>
-                  <a:rPr lang="ko-KR" altLang="en-US" dirty="0" smtClean="0"/>
+                  <a:rPr lang="ko-KR" altLang="en-US" dirty="0"/>
                   <a:t>위의</a:t>
                 </a:r>
                 <a:r>
-                  <a:rPr lang="en-US" altLang="ko-KR" dirty="0" smtClean="0"/>
+                  <a:rPr lang="en-US" altLang="ko-KR" dirty="0"/>
                   <a:t> </a:t>
                 </a:r>
                 <a:r>
@@ -2059,11 +2059,27 @@
                   <a:t>식과 </a:t>
                 </a:r>
                 <a:r>
-                  <a:rPr lang="en-US" altLang="ko-KR" dirty="0" smtClean="0"/>
-                  <a:t>Explicit FTCS </a:t>
+                  <a:rPr lang="en-US" altLang="ko-KR" dirty="0"/>
+                  <a:t>Explicit FTCS, d=0.5</a:t>
                 </a:r>
                 <a:r>
-                  <a:rPr lang="ko-KR" altLang="en-US" dirty="0" smtClean="0"/>
+                  <a:rPr lang="ko-KR" altLang="en-US" dirty="0"/>
+                  <a:t>일</a:t>
+                </a:r>
+                <a:r>
+                  <a:rPr lang="en-US" altLang="ko-KR" dirty="0"/>
+                  <a:t> </a:t>
+                </a:r>
+                <a:r>
+                  <a:rPr lang="ko-KR" altLang="en-US" dirty="0"/>
+                  <a:t>때의</a:t>
+                </a:r>
+                <a:r>
+                  <a:rPr lang="en-US" altLang="ko-KR" dirty="0"/>
+                  <a:t> </a:t>
+                </a:r>
+                <a:r>
+                  <a:rPr lang="ko-KR" altLang="en-US" dirty="0"/>
                   <a:t>수치해석 결과와의 </a:t>
                 </a:r>
                 <a:r>
@@ -2072,11 +2088,7 @@
                 </a:r>
                 <a:r>
                   <a:rPr lang="ko-KR" altLang="en-US" dirty="0"/>
-                  <a:t> 구하고 </a:t>
-                </a:r>
-                <a:r>
-                  <a:rPr lang="ko-KR" altLang="en-US" dirty="0" smtClean="0"/>
-                  <a:t>고찰할 것</a:t>
+                  <a:t> 구하고 고찰할 것</a:t>
                 </a:r>
                 <a:endParaRPr lang="en-US" altLang="ko-KR" dirty="0"/>
               </a:p>
@@ -2098,7 +2110,7 @@
                     </m:r>
                   </m:oMath>
                 </a14:m>
-                <a:endParaRPr lang="en-US" altLang="ko-KR" i="1" dirty="0" smtClean="0">
+                <a:endParaRPr lang="en-US" altLang="ko-KR" i="1" dirty="0">
                   <a:latin typeface="Cambria Math" panose="02040503050406030204" pitchFamily="18" charset="0"/>
                 </a:endParaRPr>
               </a:p>
@@ -2154,20 +2166,12 @@
                   <a:rPr lang="ko-KR" altLang="en-US" dirty="0"/>
                   <a:t>에서의 오차 </a:t>
                 </a:r>
-                <a:endParaRPr lang="en-US" altLang="ko-KR" dirty="0" smtClean="0"/>
+                <a:endParaRPr lang="en-US" altLang="ko-KR" dirty="0"/>
               </a:p>
               <a:p>
                 <a:r>
-                  <a:rPr lang="ko-KR" altLang="en-US" dirty="0" smtClean="0"/>
-                  <a:t>위 </a:t>
-                </a:r>
-                <a:r>
                   <a:rPr lang="ko-KR" altLang="en-US" dirty="0"/>
-                  <a:t>식을 차분할 수 있는 여러가지 방법들을 </a:t>
-                </a:r>
-                <a:r>
-                  <a:rPr lang="ko-KR" altLang="en-US" dirty="0" smtClean="0"/>
-                  <a:t>조사해볼 것</a:t>
+                  <a:t>위 식을 차분할 수 있는 여러가지 방법들을 조사해볼 것</a:t>
                 </a:r>
                 <a:endParaRPr lang="en-US" altLang="ko-KR" dirty="0"/>
               </a:p>
@@ -2504,12 +2508,8 @@
               </a:p>
               <a:p>
                 <a:r>
-                  <a:rPr lang="ko-KR" altLang="en-US" dirty="0" smtClean="0"/>
-                  <a:t>아래 </a:t>
-                </a:r>
-                <a:r>
                   <a:rPr lang="ko-KR" altLang="en-US" dirty="0"/>
-                  <a:t>표 각각의 </a:t>
+                  <a:t>아래 표 각각의 </a:t>
                 </a:r>
                 <a:r>
                   <a:rPr lang="en-US" altLang="ko-KR" dirty="0"/>
@@ -2520,7 +2520,7 @@
                   <a:t>에 대하여 </a:t>
                 </a:r>
                 <a:r>
-                  <a:rPr lang="en-US" altLang="ko-KR" dirty="0" smtClean="0"/>
+                  <a:rPr lang="en-US" altLang="ko-KR" dirty="0"/>
                   <a:t>FTCS</a:t>
                 </a:r>
                 <a:r>
@@ -2541,18 +2541,14 @@
                 </a:r>
                 <a:r>
                   <a:rPr lang="ko-KR" altLang="en-US" dirty="0"/>
-                  <a:t>하고 고찰할 </a:t>
+                  <a:t>하고 고찰할 것</a:t>
                 </a:r>
-                <a:r>
-                  <a:rPr lang="ko-KR" altLang="en-US" dirty="0" smtClean="0"/>
-                  <a:t>것</a:t>
-                </a:r>
-                <a:endParaRPr lang="en-US" altLang="ko-KR" dirty="0" smtClean="0"/>
+                <a:endParaRPr lang="en-US" altLang="ko-KR" dirty="0"/>
               </a:p>
               <a:p>
                 <a:pPr lvl="1"/>
                 <a:r>
-                  <a:rPr lang="en-US" altLang="ko-KR" dirty="0" smtClean="0"/>
+                  <a:rPr lang="en-US" altLang="ko-KR" dirty="0"/>
                   <a:t>[Hint] </a:t>
                 </a:r>
                 <a14:m>
@@ -2566,7 +2562,7 @@
                   </m:oMath>
                 </a14:m>
                 <a:r>
-                  <a:rPr lang="ko-KR" altLang="en-US" dirty="0" smtClean="0"/>
+                  <a:rPr lang="ko-KR" altLang="en-US" dirty="0"/>
                   <a:t>점성계수와 속도의 관계에 대해서 고찰할 것</a:t>
                 </a:r>
                 <a:endParaRPr lang="en-US" altLang="ko-KR" dirty="0"/>
@@ -2577,7 +2573,7 @@
             </p:txBody>
           </p:sp>
         </mc:Choice>
-        <mc:Fallback xmlns="">
+        <mc:Fallback>
           <p:sp>
             <p:nvSpPr>
               <p:cNvPr id="3" name="내용 개체 틀 2"/>
@@ -2682,11 +2678,11 @@
                             </m:oMath>
                           </a14:m>
                           <a:r>
-                            <a:rPr lang="ko-KR" altLang="en-US" sz="1600" dirty="0" smtClean="0"/>
+                            <a:rPr lang="ko-KR" altLang="en-US" sz="1600" dirty="0"/>
                             <a:t> </a:t>
                           </a:r>
                           <a:r>
-                            <a:rPr lang="en-US" altLang="ko-KR" sz="1600" dirty="0" smtClean="0"/>
+                            <a:rPr lang="en-US" altLang="ko-KR" sz="1600" dirty="0"/>
                             <a:t>[</a:t>
                           </a:r>
                           <a14:m>
@@ -2731,7 +2727,7 @@
                             </m:oMath>
                           </a14:m>
                           <a:r>
-                            <a:rPr lang="en-US" altLang="ko-KR" sz="1600" dirty="0" smtClean="0"/>
+                            <a:rPr lang="en-US" altLang="ko-KR" sz="1600" dirty="0"/>
                             <a:t>]</a:t>
                           </a:r>
                           <a:endParaRPr lang="ko-KR" altLang="en-US" sz="1600" dirty="0"/>
@@ -2768,7 +2764,7 @@
                         <a:p>
                           <a:pPr algn="ctr" latinLnBrk="1"/>
                           <a:r>
-                            <a:rPr lang="en-US" altLang="ko-KR" sz="1600" dirty="0" smtClean="0"/>
+                            <a:rPr lang="en-US" altLang="ko-KR" sz="1600" dirty="0"/>
                             <a:t>0.3</a:t>
                           </a:r>
                           <a:endParaRPr lang="ko-KR" altLang="en-US" sz="1600" dirty="0"/>
@@ -2805,7 +2801,7 @@
                         <a:p>
                           <a:pPr algn="ctr" latinLnBrk="1"/>
                           <a:r>
-                            <a:rPr lang="en-US" altLang="ko-KR" sz="1600" dirty="0" smtClean="0"/>
+                            <a:rPr lang="en-US" altLang="ko-KR" sz="1600" dirty="0"/>
                             <a:t>0.4</a:t>
                           </a:r>
                           <a:endParaRPr lang="ko-KR" altLang="en-US" sz="1600" dirty="0"/>
@@ -2842,7 +2838,7 @@
                         <a:p>
                           <a:pPr algn="ctr" latinLnBrk="1"/>
                           <a:r>
-                            <a:rPr lang="en-US" altLang="ko-KR" sz="1600" dirty="0" smtClean="0"/>
+                            <a:rPr lang="en-US" altLang="ko-KR" sz="1600" dirty="0"/>
                             <a:t>0.5</a:t>
                           </a:r>
                           <a:endParaRPr lang="ko-KR" altLang="en-US" sz="1600" dirty="0"/>
@@ -2879,7 +2875,7 @@
                         <a:p>
                           <a:pPr algn="ctr" latinLnBrk="1"/>
                           <a:r>
-                            <a:rPr lang="en-US" altLang="ko-KR" sz="1600" dirty="0" smtClean="0"/>
+                            <a:rPr lang="en-US" altLang="ko-KR" sz="1600" dirty="0"/>
                             <a:t>0.502</a:t>
                           </a:r>
                           <a:endParaRPr lang="ko-KR" altLang="en-US" sz="1600" dirty="0"/>
@@ -2916,7 +2912,7 @@
                         <a:p>
                           <a:pPr algn="ctr" latinLnBrk="1"/>
                           <a:r>
-                            <a:rPr lang="en-US" altLang="ko-KR" sz="1600" dirty="0" smtClean="0"/>
+                            <a:rPr lang="en-US" altLang="ko-KR" sz="1600" dirty="0"/>
                             <a:t>0.504</a:t>
                           </a:r>
                           <a:endParaRPr lang="ko-KR" altLang="en-US" sz="1600" dirty="0"/>
@@ -3768,7 +3764,7 @@
               <a:lstStyle/>
               <a:p>
                 <a:r>
-                  <a:rPr lang="ko-KR" altLang="en-US" dirty="0" smtClean="0"/>
+                  <a:rPr lang="ko-KR" altLang="en-US" dirty="0"/>
                   <a:t>확산 방정식</a:t>
                 </a:r>
                 <a:endParaRPr lang="en-US" altLang="ko-KR" dirty="0"/>
@@ -4080,7 +4076,7 @@
                     </m:oMath>
                   </m:oMathPara>
                 </a14:m>
-                <a:endParaRPr lang="en-US" altLang="ko-KR" sz="1200" b="0" i="1" dirty="0" smtClean="0">
+                <a:endParaRPr lang="en-US" altLang="ko-KR" sz="1200" b="0" i="1" dirty="0">
                   <a:latin typeface="Cambria Math" panose="02040503050406030204" pitchFamily="18" charset="0"/>
                 </a:endParaRPr>
               </a:p>
@@ -4088,7 +4084,7 @@
                 <a:pPr marL="0" indent="0">
                   <a:buNone/>
                 </a:pPr>
-                <a:endParaRPr lang="en-US" altLang="ko-KR" sz="1200" b="0" i="1" dirty="0" smtClean="0">
+                <a:endParaRPr lang="en-US" altLang="ko-KR" sz="1200" b="0" i="1" dirty="0">
                   <a:latin typeface="Cambria Math" panose="02040503050406030204" pitchFamily="18" charset="0"/>
                 </a:endParaRPr>
               </a:p>
@@ -5226,7 +5222,7 @@
                   </m:oMath>
                 </a14:m>
                 <a:r>
-                  <a:rPr lang="en-US" altLang="ko-KR" sz="1200" dirty="0" smtClean="0"/>
+                  <a:rPr lang="en-US" altLang="ko-KR" sz="1200" dirty="0"/>
                   <a:t>Forward Time)</a:t>
                 </a:r>
                 <a:endParaRPr lang="ko-KR" altLang="en-US" sz="1200" dirty="0"/>
@@ -5327,7 +5323,7 @@
                   </m:oMath>
                 </a14:m>
                 <a:r>
-                  <a:rPr lang="en-US" altLang="ko-KR" sz="1200" dirty="0" smtClean="0"/>
+                  <a:rPr lang="en-US" altLang="ko-KR" sz="1200" dirty="0"/>
                   <a:t>Central Space)</a:t>
                 </a:r>
                 <a:endParaRPr lang="ko-KR" altLang="en-US" sz="1200" dirty="0"/>
@@ -5513,7 +5509,7 @@
               <a:lstStyle/>
               <a:p>
                 <a:r>
-                  <a:rPr lang="ko-KR" altLang="en-US" dirty="0" smtClean="0"/>
+                  <a:rPr lang="ko-KR" altLang="en-US" dirty="0"/>
                   <a:t>확산 방정식</a:t>
                 </a:r>
                 <a:endParaRPr lang="en-US" altLang="ko-KR" dirty="0"/>
@@ -5829,7 +5825,7 @@
                     </m:oMath>
                   </m:oMathPara>
                 </a14:m>
-                <a:endParaRPr lang="en-US" altLang="ko-KR" sz="1200" b="0" i="1" dirty="0" smtClean="0">
+                <a:endParaRPr lang="en-US" altLang="ko-KR" sz="1200" b="0" i="1" dirty="0">
                   <a:latin typeface="Cambria Math" panose="02040503050406030204" pitchFamily="18" charset="0"/>
                 </a:endParaRPr>
               </a:p>
@@ -5837,7 +5833,7 @@
                 <a:pPr marL="0" indent="0">
                   <a:buNone/>
                 </a:pPr>
-                <a:endParaRPr lang="en-US" altLang="ko-KR" sz="1200" b="0" i="1" dirty="0" smtClean="0">
+                <a:endParaRPr lang="en-US" altLang="ko-KR" sz="1200" b="0" i="1" dirty="0">
                   <a:latin typeface="Cambria Math" panose="02040503050406030204" pitchFamily="18" charset="0"/>
                 </a:endParaRPr>
               </a:p>
@@ -7011,7 +7007,7 @@
                   </m:oMath>
                 </a14:m>
                 <a:r>
-                  <a:rPr lang="en-US" altLang="ko-KR" sz="1200" dirty="0" smtClean="0"/>
+                  <a:rPr lang="en-US" altLang="ko-KR" sz="1200" dirty="0"/>
                   <a:t>Forward Time)</a:t>
                 </a:r>
                 <a:endParaRPr lang="ko-KR" altLang="en-US" sz="1200" dirty="0"/>
@@ -7112,7 +7108,7 @@
                   </m:oMath>
                 </a14:m>
                 <a:r>
-                  <a:rPr lang="en-US" altLang="ko-KR" sz="1200" dirty="0" smtClean="0"/>
+                  <a:rPr lang="en-US" altLang="ko-KR" sz="1200" dirty="0"/>
                   <a:t>Central Space)</a:t>
                 </a:r>
                 <a:endParaRPr lang="ko-KR" altLang="en-US" sz="1200" dirty="0"/>
@@ -7285,8 +7281,8 @@
           </a:p>
         </p:txBody>
       </p:sp>
-      <mc:AlternateContent xmlns:mc="http://schemas.openxmlformats.org/markup-compatibility/2006">
-        <mc:Choice xmlns:a14="http://schemas.microsoft.com/office/drawing/2010/main" Requires="a14">
+      <mc:AlternateContent xmlns:mc="http://schemas.openxmlformats.org/markup-compatibility/2006" xmlns:a14="http://schemas.microsoft.com/office/drawing/2010/main">
+        <mc:Choice Requires="a14">
           <p:sp>
             <p:nvSpPr>
               <p:cNvPr id="3" name="내용 개체 틀 2"/>
@@ -7305,7 +7301,7 @@
                 <a:pPr marL="0" indent="0">
                   <a:buNone/>
                 </a:pPr>
-                <a:endParaRPr lang="en-US" altLang="ko-KR" i="1" dirty="0" smtClean="0">
+                <a:endParaRPr lang="en-US" altLang="ko-KR" i="1" dirty="0">
                   <a:latin typeface="Cambria Math" panose="02040503050406030204" pitchFamily="18" charset="0"/>
                 </a:endParaRPr>
               </a:p>
@@ -7654,7 +7650,7 @@
                     </m:oMath>
                   </m:oMathPara>
                 </a14:m>
-                <a:endParaRPr lang="en-US" altLang="ko-KR" dirty="0" smtClean="0"/>
+                <a:endParaRPr lang="en-US" altLang="ko-KR" dirty="0"/>
               </a:p>
               <a:p>
                 <a:pPr marL="0" indent="0">
@@ -7859,7 +7855,7 @@
             </p:txBody>
           </p:sp>
         </mc:Choice>
-        <mc:Fallback>
+        <mc:Fallback xmlns="">
           <p:sp>
             <p:nvSpPr>
               <p:cNvPr id="3" name="내용 개체 틀 2"/>
@@ -8212,22 +8208,28 @@
       </mc:AlternateContent>
       <p:pic>
         <p:nvPicPr>
-          <p:cNvPr id="4" name="그림 3"/>
+          <p:cNvPr id="6" name="그림 5"/>
           <p:cNvPicPr>
             <a:picLocks noChangeAspect="1"/>
           </p:cNvPicPr>
           <p:nvPr/>
         </p:nvPicPr>
         <p:blipFill>
-          <a:blip r:embed="rId3"/>
+          <a:blip r:embed="rId3">
+            <a:extLst>
+              <a:ext uri="{28A0092B-C50C-407E-A947-70E740481C1C}">
+                <a14:useLocalDpi xmlns:a14="http://schemas.microsoft.com/office/drawing/2010/main" val="0"/>
+              </a:ext>
+            </a:extLst>
+          </a:blip>
           <a:stretch>
             <a:fillRect/>
           </a:stretch>
         </p:blipFill>
         <p:spPr>
           <a:xfrm>
-            <a:off x="3324224" y="1356163"/>
-            <a:ext cx="5362576" cy="4770000"/>
+            <a:off x="4572000" y="1671645"/>
+            <a:ext cx="4114800" cy="4140169"/>
           </a:xfrm>
           <a:prstGeom prst="rect">
             <a:avLst/>
@@ -8509,22 +8511,28 @@
       </mc:AlternateContent>
       <p:pic>
         <p:nvPicPr>
-          <p:cNvPr id="4" name="그림 3"/>
+          <p:cNvPr id="6" name="그림 5"/>
           <p:cNvPicPr>
             <a:picLocks noChangeAspect="1"/>
           </p:cNvPicPr>
           <p:nvPr/>
         </p:nvPicPr>
         <p:blipFill>
-          <a:blip r:embed="rId3"/>
+          <a:blip r:embed="rId3">
+            <a:extLst>
+              <a:ext uri="{28A0092B-C50C-407E-A947-70E740481C1C}">
+                <a14:useLocalDpi xmlns:a14="http://schemas.microsoft.com/office/drawing/2010/main" val="0"/>
+              </a:ext>
+            </a:extLst>
+          </a:blip>
           <a:stretch>
             <a:fillRect/>
           </a:stretch>
         </p:blipFill>
         <p:spPr>
           <a:xfrm>
-            <a:off x="3324224" y="1357298"/>
-            <a:ext cx="5362576" cy="4770000"/>
+            <a:off x="4572000" y="1671645"/>
+            <a:ext cx="4114800" cy="4140169"/>
           </a:xfrm>
           <a:prstGeom prst="rect">
             <a:avLst/>
@@ -8758,7 +8766,7 @@
               </a:p>
               <a:p>
                 <a:r>
-                  <a:rPr lang="en-US" altLang="ko-KR" dirty="0" smtClean="0"/>
+                  <a:rPr lang="en-US" altLang="ko-KR" dirty="0"/>
                   <a:t>Unstable</a:t>
                 </a:r>
                 <a:endParaRPr lang="ko-KR" altLang="en-US" dirty="0"/>
@@ -8802,22 +8810,28 @@
       </mc:AlternateContent>
       <p:pic>
         <p:nvPicPr>
-          <p:cNvPr id="4" name="그림 3"/>
+          <p:cNvPr id="6" name="그림 5"/>
           <p:cNvPicPr>
             <a:picLocks noChangeAspect="1"/>
           </p:cNvPicPr>
           <p:nvPr/>
         </p:nvPicPr>
         <p:blipFill>
-          <a:blip r:embed="rId3"/>
+          <a:blip r:embed="rId3">
+            <a:extLst>
+              <a:ext uri="{28A0092B-C50C-407E-A947-70E740481C1C}">
+                <a14:useLocalDpi xmlns:a14="http://schemas.microsoft.com/office/drawing/2010/main" val="0"/>
+              </a:ext>
+            </a:extLst>
+          </a:blip>
           <a:stretch>
             <a:fillRect/>
           </a:stretch>
         </p:blipFill>
         <p:spPr>
           <a:xfrm>
-            <a:off x="3324224" y="1356163"/>
-            <a:ext cx="5362576" cy="4770000"/>
+            <a:off x="4572000" y="1671645"/>
+            <a:ext cx="4114800" cy="4140169"/>
           </a:xfrm>
           <a:prstGeom prst="rect">
             <a:avLst/>
@@ -9099,22 +9113,28 @@
       </mc:AlternateContent>
       <p:pic>
         <p:nvPicPr>
-          <p:cNvPr id="4" name="그림 3"/>
+          <p:cNvPr id="6" name="그림 5"/>
           <p:cNvPicPr>
             <a:picLocks noChangeAspect="1"/>
           </p:cNvPicPr>
           <p:nvPr/>
         </p:nvPicPr>
         <p:blipFill>
-          <a:blip r:embed="rId3"/>
+          <a:blip r:embed="rId3">
+            <a:extLst>
+              <a:ext uri="{28A0092B-C50C-407E-A947-70E740481C1C}">
+                <a14:useLocalDpi xmlns:a14="http://schemas.microsoft.com/office/drawing/2010/main" val="0"/>
+              </a:ext>
+            </a:extLst>
+          </a:blip>
           <a:stretch>
             <a:fillRect/>
           </a:stretch>
         </p:blipFill>
         <p:spPr>
           <a:xfrm>
-            <a:off x="3324224" y="1356163"/>
-            <a:ext cx="5362576" cy="4770000"/>
+            <a:off x="4572000" y="1671645"/>
+            <a:ext cx="4114800" cy="4140169"/>
           </a:xfrm>
           <a:prstGeom prst="rect">
             <a:avLst/>
